--- a/wetlands/R/Workflow.pptx
+++ b/wetlands/R/Workflow.pptx
@@ -259,7 +259,7 @@
           <a:p>
             <a:fld id="{50F69C81-2506-459F-A2A2-E57F48A03F26}" type="datetimeFigureOut">
               <a:rPr lang="en-US" smtClean="0"/>
-              <a:t>4/29/2024</a:t>
+              <a:t>5/1/2024</a:t>
             </a:fld>
             <a:endParaRPr lang="en-US"/>
           </a:p>
@@ -457,7 +457,7 @@
           <a:p>
             <a:fld id="{50F69C81-2506-459F-A2A2-E57F48A03F26}" type="datetimeFigureOut">
               <a:rPr lang="en-US" smtClean="0"/>
-              <a:t>4/29/2024</a:t>
+              <a:t>5/1/2024</a:t>
             </a:fld>
             <a:endParaRPr lang="en-US"/>
           </a:p>
@@ -665,7 +665,7 @@
           <a:p>
             <a:fld id="{50F69C81-2506-459F-A2A2-E57F48A03F26}" type="datetimeFigureOut">
               <a:rPr lang="en-US" smtClean="0"/>
-              <a:t>4/29/2024</a:t>
+              <a:t>5/1/2024</a:t>
             </a:fld>
             <a:endParaRPr lang="en-US"/>
           </a:p>
@@ -863,7 +863,7 @@
           <a:p>
             <a:fld id="{50F69C81-2506-459F-A2A2-E57F48A03F26}" type="datetimeFigureOut">
               <a:rPr lang="en-US" smtClean="0"/>
-              <a:t>4/29/2024</a:t>
+              <a:t>5/1/2024</a:t>
             </a:fld>
             <a:endParaRPr lang="en-US"/>
           </a:p>
@@ -1138,7 +1138,7 @@
           <a:p>
             <a:fld id="{50F69C81-2506-459F-A2A2-E57F48A03F26}" type="datetimeFigureOut">
               <a:rPr lang="en-US" smtClean="0"/>
-              <a:t>4/29/2024</a:t>
+              <a:t>5/1/2024</a:t>
             </a:fld>
             <a:endParaRPr lang="en-US"/>
           </a:p>
@@ -1403,7 +1403,7 @@
           <a:p>
             <a:fld id="{50F69C81-2506-459F-A2A2-E57F48A03F26}" type="datetimeFigureOut">
               <a:rPr lang="en-US" smtClean="0"/>
-              <a:t>4/29/2024</a:t>
+              <a:t>5/1/2024</a:t>
             </a:fld>
             <a:endParaRPr lang="en-US"/>
           </a:p>
@@ -1815,7 +1815,7 @@
           <a:p>
             <a:fld id="{50F69C81-2506-459F-A2A2-E57F48A03F26}" type="datetimeFigureOut">
               <a:rPr lang="en-US" smtClean="0"/>
-              <a:t>4/29/2024</a:t>
+              <a:t>5/1/2024</a:t>
             </a:fld>
             <a:endParaRPr lang="en-US"/>
           </a:p>
@@ -1956,7 +1956,7 @@
           <a:p>
             <a:fld id="{50F69C81-2506-459F-A2A2-E57F48A03F26}" type="datetimeFigureOut">
               <a:rPr lang="en-US" smtClean="0"/>
-              <a:t>4/29/2024</a:t>
+              <a:t>5/1/2024</a:t>
             </a:fld>
             <a:endParaRPr lang="en-US"/>
           </a:p>
@@ -2069,7 +2069,7 @@
           <a:p>
             <a:fld id="{50F69C81-2506-459F-A2A2-E57F48A03F26}" type="datetimeFigureOut">
               <a:rPr lang="en-US" smtClean="0"/>
-              <a:t>4/29/2024</a:t>
+              <a:t>5/1/2024</a:t>
             </a:fld>
             <a:endParaRPr lang="en-US"/>
           </a:p>
@@ -2380,7 +2380,7 @@
           <a:p>
             <a:fld id="{50F69C81-2506-459F-A2A2-E57F48A03F26}" type="datetimeFigureOut">
               <a:rPr lang="en-US" smtClean="0"/>
-              <a:t>4/29/2024</a:t>
+              <a:t>5/1/2024</a:t>
             </a:fld>
             <a:endParaRPr lang="en-US"/>
           </a:p>
@@ -2668,7 +2668,7 @@
           <a:p>
             <a:fld id="{50F69C81-2506-459F-A2A2-E57F48A03F26}" type="datetimeFigureOut">
               <a:rPr lang="en-US" smtClean="0"/>
-              <a:t>4/29/2024</a:t>
+              <a:t>5/1/2024</a:t>
             </a:fld>
             <a:endParaRPr lang="en-US"/>
           </a:p>
@@ -2909,7 +2909,7 @@
           <a:p>
             <a:fld id="{50F69C81-2506-459F-A2A2-E57F48A03F26}" type="datetimeFigureOut">
               <a:rPr lang="en-US" smtClean="0"/>
-              <a:t>4/29/2024</a:t>
+              <a:t>5/1/2024</a:t>
             </a:fld>
             <a:endParaRPr lang="en-US"/>
           </a:p>
@@ -4143,52 +4143,6 @@
         </p:pic>
         <p:sp>
           <p:nvSpPr>
-            <p:cNvPr id="18" name="Arrow: Right 17">
-              <a:extLst>
-                <a:ext uri="{FF2B5EF4-FFF2-40B4-BE49-F238E27FC236}">
-                  <a16:creationId xmlns:a16="http://schemas.microsoft.com/office/drawing/2014/main" id="{B4B7962F-F8E6-057F-4B43-531D8C5F07C3}"/>
-                </a:ext>
-              </a:extLst>
-            </p:cNvPr>
-            <p:cNvSpPr/>
-            <p:nvPr/>
-          </p:nvSpPr>
-          <p:spPr>
-            <a:xfrm rot="10800000">
-              <a:off x="1171044" y="4549431"/>
-              <a:ext cx="1821202" cy="276249"/>
-            </a:xfrm>
-            <a:prstGeom prst="rightArrow">
-              <a:avLst/>
-            </a:prstGeom>
-          </p:spPr>
-          <p:style>
-            <a:lnRef idx="2">
-              <a:schemeClr val="accent1">
-                <a:shade val="15000"/>
-              </a:schemeClr>
-            </a:lnRef>
-            <a:fillRef idx="1">
-              <a:schemeClr val="accent1"/>
-            </a:fillRef>
-            <a:effectRef idx="0">
-              <a:schemeClr val="accent1"/>
-            </a:effectRef>
-            <a:fontRef idx="minor">
-              <a:schemeClr val="lt1"/>
-            </a:fontRef>
-          </p:style>
-          <p:txBody>
-            <a:bodyPr rtlCol="0" anchor="ctr"/>
-            <a:lstStyle/>
-            <a:p>
-              <a:pPr algn="ctr"/>
-              <a:endParaRPr lang="en-US" sz="1600" dirty="0"/>
-            </a:p>
-          </p:txBody>
-        </p:sp>
-        <p:sp>
-          <p:nvSpPr>
             <p:cNvPr id="19" name="TextBox 18">
               <a:extLst>
                 <a:ext uri="{FF2B5EF4-FFF2-40B4-BE49-F238E27FC236}">
@@ -4266,8 +4220,8 @@
           </p:nvSpPr>
           <p:spPr>
             <a:xfrm>
-              <a:off x="4024997" y="3833059"/>
-              <a:ext cx="1580183" cy="1548064"/>
+              <a:off x="3924881" y="3833059"/>
+              <a:ext cx="1712383" cy="1548064"/>
             </a:xfrm>
             <a:prstGeom prst="flowChartDocument">
               <a:avLst/>
@@ -4301,18 +4255,13 @@
             <a:p>
               <a:pPr algn="ctr"/>
               <a:r>
-                <a:rPr lang="en-US" sz="1600" dirty="0" err="1">
+                <a:rPr lang="en-US" sz="1600" dirty="0">
                   <a:solidFill>
                     <a:schemeClr val="tx1"/>
                   </a:solidFill>
                 </a:rPr>
-                <a:t>qry_VIBI_data</a:t>
+                <a:t>qrye2e_VIBI_data</a:t>
               </a:r>
-              <a:endParaRPr lang="en-US" sz="1600" dirty="0">
-                <a:solidFill>
-                  <a:schemeClr val="tx1"/>
-                </a:solidFill>
-              </a:endParaRPr>
             </a:p>
             <a:p>
               <a:pPr algn="ctr"/>
@@ -4521,6 +4470,52 @@
           </p:txBody>
         </p:sp>
       </p:grpSp>
+      <p:sp>
+        <p:nvSpPr>
+          <p:cNvPr id="3" name="Minus Sign 2">
+            <a:extLst>
+              <a:ext uri="{FF2B5EF4-FFF2-40B4-BE49-F238E27FC236}">
+                <a16:creationId xmlns:a16="http://schemas.microsoft.com/office/drawing/2014/main" id="{16A5D8BB-7AC7-AAF5-931A-CA36DAEFF82C}"/>
+              </a:ext>
+            </a:extLst>
+          </p:cNvPr>
+          <p:cNvSpPr/>
+          <p:nvPr/>
+        </p:nvSpPr>
+        <p:spPr>
+          <a:xfrm>
+            <a:off x="1336743" y="4485529"/>
+            <a:ext cx="1363579" cy="563567"/>
+          </a:xfrm>
+          <a:prstGeom prst="mathMinus">
+            <a:avLst/>
+          </a:prstGeom>
+        </p:spPr>
+        <p:style>
+          <a:lnRef idx="2">
+            <a:schemeClr val="accent1">
+              <a:shade val="15000"/>
+            </a:schemeClr>
+          </a:lnRef>
+          <a:fillRef idx="1">
+            <a:schemeClr val="accent1"/>
+          </a:fillRef>
+          <a:effectRef idx="0">
+            <a:schemeClr val="accent1"/>
+          </a:effectRef>
+          <a:fontRef idx="minor">
+            <a:schemeClr val="lt1"/>
+          </a:fontRef>
+        </p:style>
+        <p:txBody>
+          <a:bodyPr rtlCol="0" anchor="ctr"/>
+          <a:lstStyle/>
+          <a:p>
+            <a:pPr algn="ctr"/>
+            <a:endParaRPr lang="en-US"/>
+          </a:p>
+        </p:txBody>
+      </p:sp>
     </p:spTree>
     <p:extLst>
       <p:ext uri="{BB962C8B-B14F-4D97-AF65-F5344CB8AC3E}">
